--- a/Slides/Lecture 2.pptx
+++ b/Slides/Lecture 2.pptx
@@ -317,7 +317,7 @@
           <a:p>
             <a:fld id="{5849EC3F-3491-4077-BC75-00FB4BA542B8}" type="datetimeFigureOut">
               <a:rPr lang="en-US" smtClean="0"/>
-              <a:t>8/14/2020</a:t>
+              <a:t>8/12/2021</a:t>
             </a:fld>
             <a:endParaRPr lang="en-US"/>
           </a:p>
@@ -515,7 +515,7 @@
           <a:p>
             <a:fld id="{5849EC3F-3491-4077-BC75-00FB4BA542B8}" type="datetimeFigureOut">
               <a:rPr lang="en-US" smtClean="0"/>
-              <a:t>8/14/2020</a:t>
+              <a:t>8/12/2021</a:t>
             </a:fld>
             <a:endParaRPr lang="en-US"/>
           </a:p>
@@ -723,7 +723,7 @@
           <a:p>
             <a:fld id="{5849EC3F-3491-4077-BC75-00FB4BA542B8}" type="datetimeFigureOut">
               <a:rPr lang="en-US" smtClean="0"/>
-              <a:t>8/14/2020</a:t>
+              <a:t>8/12/2021</a:t>
             </a:fld>
             <a:endParaRPr lang="en-US"/>
           </a:p>
@@ -921,7 +921,7 @@
           <a:p>
             <a:fld id="{5849EC3F-3491-4077-BC75-00FB4BA542B8}" type="datetimeFigureOut">
               <a:rPr lang="en-US" smtClean="0"/>
-              <a:t>8/14/2020</a:t>
+              <a:t>8/12/2021</a:t>
             </a:fld>
             <a:endParaRPr lang="en-US"/>
           </a:p>
@@ -1196,7 +1196,7 @@
           <a:p>
             <a:fld id="{5849EC3F-3491-4077-BC75-00FB4BA542B8}" type="datetimeFigureOut">
               <a:rPr lang="en-US" smtClean="0"/>
-              <a:t>8/14/2020</a:t>
+              <a:t>8/12/2021</a:t>
             </a:fld>
             <a:endParaRPr lang="en-US"/>
           </a:p>
@@ -1461,7 +1461,7 @@
           <a:p>
             <a:fld id="{5849EC3F-3491-4077-BC75-00FB4BA542B8}" type="datetimeFigureOut">
               <a:rPr lang="en-US" smtClean="0"/>
-              <a:t>8/14/2020</a:t>
+              <a:t>8/12/2021</a:t>
             </a:fld>
             <a:endParaRPr lang="en-US"/>
           </a:p>
@@ -1873,7 +1873,7 @@
           <a:p>
             <a:fld id="{5849EC3F-3491-4077-BC75-00FB4BA542B8}" type="datetimeFigureOut">
               <a:rPr lang="en-US" smtClean="0"/>
-              <a:t>8/14/2020</a:t>
+              <a:t>8/12/2021</a:t>
             </a:fld>
             <a:endParaRPr lang="en-US"/>
           </a:p>
@@ -2014,7 +2014,7 @@
           <a:p>
             <a:fld id="{5849EC3F-3491-4077-BC75-00FB4BA542B8}" type="datetimeFigureOut">
               <a:rPr lang="en-US" smtClean="0"/>
-              <a:t>8/14/2020</a:t>
+              <a:t>8/12/2021</a:t>
             </a:fld>
             <a:endParaRPr lang="en-US"/>
           </a:p>
@@ -2127,7 +2127,7 @@
           <a:p>
             <a:fld id="{5849EC3F-3491-4077-BC75-00FB4BA542B8}" type="datetimeFigureOut">
               <a:rPr lang="en-US" smtClean="0"/>
-              <a:t>8/14/2020</a:t>
+              <a:t>8/12/2021</a:t>
             </a:fld>
             <a:endParaRPr lang="en-US"/>
           </a:p>
@@ -2438,7 +2438,7 @@
           <a:p>
             <a:fld id="{5849EC3F-3491-4077-BC75-00FB4BA542B8}" type="datetimeFigureOut">
               <a:rPr lang="en-US" smtClean="0"/>
-              <a:t>8/14/2020</a:t>
+              <a:t>8/12/2021</a:t>
             </a:fld>
             <a:endParaRPr lang="en-US"/>
           </a:p>
@@ -2726,7 +2726,7 @@
           <a:p>
             <a:fld id="{5849EC3F-3491-4077-BC75-00FB4BA542B8}" type="datetimeFigureOut">
               <a:rPr lang="en-US" smtClean="0"/>
-              <a:t>8/14/2020</a:t>
+              <a:t>8/12/2021</a:t>
             </a:fld>
             <a:endParaRPr lang="en-US"/>
           </a:p>
@@ -2967,7 +2967,7 @@
           <a:p>
             <a:fld id="{5849EC3F-3491-4077-BC75-00FB4BA542B8}" type="datetimeFigureOut">
               <a:rPr lang="en-US" smtClean="0"/>
-              <a:t>8/14/2020</a:t>
+              <a:t>8/12/2021</a:t>
             </a:fld>
             <a:endParaRPr lang="en-US"/>
           </a:p>
@@ -3478,7 +3478,7 @@
                   <a:schemeClr val="accent1"/>
                 </a:solidFill>
               </a:rPr>
-              <a:t>Software Systems Engineering</a:t>
+              <a:t>Electrical and Computer Engineering (ECE)</a:t>
             </a:r>
           </a:p>
           <a:p>
@@ -34148,8 +34148,8 @@
           </a:p>
         </p:txBody>
       </p:sp>
-      <mc:AlternateContent xmlns:mc="http://schemas.openxmlformats.org/markup-compatibility/2006">
-        <mc:Choice xmlns:a14="http://schemas.microsoft.com/office/drawing/2010/main" Requires="a14">
+      <mc:AlternateContent xmlns:mc="http://schemas.openxmlformats.org/markup-compatibility/2006" xmlns:a14="http://schemas.microsoft.com/office/drawing/2010/main">
+        <mc:Choice Requires="a14">
           <p:sp>
             <p:nvSpPr>
               <p:cNvPr id="3" name="Content Placeholder 2">
@@ -34387,7 +34387,7 @@
             </p:txBody>
           </p:sp>
         </mc:Choice>
-        <mc:Fallback>
+        <mc:Fallback xmlns="">
           <p:sp>
             <p:nvSpPr>
               <p:cNvPr id="3" name="Content Placeholder 2">

--- a/Slides/Lecture 2.pptx
+++ b/Slides/Lecture 2.pptx
@@ -317,7 +317,7 @@
           <a:p>
             <a:fld id="{5849EC3F-3491-4077-BC75-00FB4BA542B8}" type="datetimeFigureOut">
               <a:rPr lang="en-US" smtClean="0"/>
-              <a:t>8/12/2021</a:t>
+              <a:t>8/13/2021</a:t>
             </a:fld>
             <a:endParaRPr lang="en-US"/>
           </a:p>
@@ -515,7 +515,7 @@
           <a:p>
             <a:fld id="{5849EC3F-3491-4077-BC75-00FB4BA542B8}" type="datetimeFigureOut">
               <a:rPr lang="en-US" smtClean="0"/>
-              <a:t>8/12/2021</a:t>
+              <a:t>8/13/2021</a:t>
             </a:fld>
             <a:endParaRPr lang="en-US"/>
           </a:p>
@@ -723,7 +723,7 @@
           <a:p>
             <a:fld id="{5849EC3F-3491-4077-BC75-00FB4BA542B8}" type="datetimeFigureOut">
               <a:rPr lang="en-US" smtClean="0"/>
-              <a:t>8/12/2021</a:t>
+              <a:t>8/13/2021</a:t>
             </a:fld>
             <a:endParaRPr lang="en-US"/>
           </a:p>
@@ -921,7 +921,7 @@
           <a:p>
             <a:fld id="{5849EC3F-3491-4077-BC75-00FB4BA542B8}" type="datetimeFigureOut">
               <a:rPr lang="en-US" smtClean="0"/>
-              <a:t>8/12/2021</a:t>
+              <a:t>8/13/2021</a:t>
             </a:fld>
             <a:endParaRPr lang="en-US"/>
           </a:p>
@@ -1196,7 +1196,7 @@
           <a:p>
             <a:fld id="{5849EC3F-3491-4077-BC75-00FB4BA542B8}" type="datetimeFigureOut">
               <a:rPr lang="en-US" smtClean="0"/>
-              <a:t>8/12/2021</a:t>
+              <a:t>8/13/2021</a:t>
             </a:fld>
             <a:endParaRPr lang="en-US"/>
           </a:p>
@@ -1461,7 +1461,7 @@
           <a:p>
             <a:fld id="{5849EC3F-3491-4077-BC75-00FB4BA542B8}" type="datetimeFigureOut">
               <a:rPr lang="en-US" smtClean="0"/>
-              <a:t>8/12/2021</a:t>
+              <a:t>8/13/2021</a:t>
             </a:fld>
             <a:endParaRPr lang="en-US"/>
           </a:p>
@@ -1873,7 +1873,7 @@
           <a:p>
             <a:fld id="{5849EC3F-3491-4077-BC75-00FB4BA542B8}" type="datetimeFigureOut">
               <a:rPr lang="en-US" smtClean="0"/>
-              <a:t>8/12/2021</a:t>
+              <a:t>8/13/2021</a:t>
             </a:fld>
             <a:endParaRPr lang="en-US"/>
           </a:p>
@@ -2014,7 +2014,7 @@
           <a:p>
             <a:fld id="{5849EC3F-3491-4077-BC75-00FB4BA542B8}" type="datetimeFigureOut">
               <a:rPr lang="en-US" smtClean="0"/>
-              <a:t>8/12/2021</a:t>
+              <a:t>8/13/2021</a:t>
             </a:fld>
             <a:endParaRPr lang="en-US"/>
           </a:p>
@@ -2127,7 +2127,7 @@
           <a:p>
             <a:fld id="{5849EC3F-3491-4077-BC75-00FB4BA542B8}" type="datetimeFigureOut">
               <a:rPr lang="en-US" smtClean="0"/>
-              <a:t>8/12/2021</a:t>
+              <a:t>8/13/2021</a:t>
             </a:fld>
             <a:endParaRPr lang="en-US"/>
           </a:p>
@@ -2438,7 +2438,7 @@
           <a:p>
             <a:fld id="{5849EC3F-3491-4077-BC75-00FB4BA542B8}" type="datetimeFigureOut">
               <a:rPr lang="en-US" smtClean="0"/>
-              <a:t>8/12/2021</a:t>
+              <a:t>8/13/2021</a:t>
             </a:fld>
             <a:endParaRPr lang="en-US"/>
           </a:p>
@@ -2726,7 +2726,7 @@
           <a:p>
             <a:fld id="{5849EC3F-3491-4077-BC75-00FB4BA542B8}" type="datetimeFigureOut">
               <a:rPr lang="en-US" smtClean="0"/>
-              <a:t>8/12/2021</a:t>
+              <a:t>8/13/2021</a:t>
             </a:fld>
             <a:endParaRPr lang="en-US"/>
           </a:p>
@@ -2967,7 +2967,7 @@
           <a:p>
             <a:fld id="{5849EC3F-3491-4077-BC75-00FB4BA542B8}" type="datetimeFigureOut">
               <a:rPr lang="en-US" smtClean="0"/>
-              <a:t>8/12/2021</a:t>
+              <a:t>8/13/2021</a:t>
             </a:fld>
             <a:endParaRPr lang="en-US"/>
           </a:p>
@@ -10748,8 +10748,8 @@
           </p:sp>
         </mc:Fallback>
       </mc:AlternateContent>
-      <mc:AlternateContent xmlns:mc="http://schemas.openxmlformats.org/markup-compatibility/2006" xmlns:a14="http://schemas.microsoft.com/office/drawing/2010/main">
-        <mc:Choice Requires="a14">
+      <mc:AlternateContent xmlns:mc="http://schemas.openxmlformats.org/markup-compatibility/2006">
+        <mc:Choice xmlns:a14="http://schemas.microsoft.com/office/drawing/2010/main" Requires="a14">
           <p:sp>
             <p:nvSpPr>
               <p:cNvPr id="3" name="Content Placeholder 2">
@@ -10913,10 +10913,10 @@
                     </m:oMathParaPr>
                     <m:oMath xmlns:m="http://schemas.openxmlformats.org/officeDocument/2006/math">
                       <m:r>
-                        <a:rPr lang="en-US" i="1" dirty="0" smtClean="0">
+                        <a:rPr lang="en-US" b="0" i="1" dirty="0" smtClean="0">
                           <a:latin typeface="Cambria Math" panose="02040503050406030204" pitchFamily="18" charset="0"/>
                         </a:rPr>
-                        <m:t>𝑅</m:t>
+                        <m:t>𝐿</m:t>
                       </m:r>
                       <m:r>
                         <a:rPr lang="en-US" i="1" dirty="0" smtClean="0">
@@ -10967,7 +10967,7 @@
                         <a:rPr lang="en-US" b="0" i="1" dirty="0" smtClean="0">
                           <a:latin typeface="Cambria Math" panose="02040503050406030204" pitchFamily="18" charset="0"/>
                         </a:rPr>
-                        <m:t>𝐿</m:t>
+                        <m:t>𝑅</m:t>
                       </m:r>
                       <m:r>
                         <a:rPr lang="en-US" i="1" dirty="0">
@@ -11046,10 +11046,10 @@
                     </m:oMathParaPr>
                     <m:oMath xmlns:m="http://schemas.openxmlformats.org/officeDocument/2006/math">
                       <m:r>
-                        <a:rPr lang="en-US" i="1" dirty="0" smtClean="0">
+                        <a:rPr lang="en-US" b="0" i="1" dirty="0" smtClean="0">
                           <a:latin typeface="Cambria Math" panose="02040503050406030204" pitchFamily="18" charset="0"/>
                         </a:rPr>
-                        <m:t>𝑅</m:t>
+                        <m:t>𝐿</m:t>
                       </m:r>
                       <m:r>
                         <a:rPr lang="en-US" i="1" dirty="0" smtClean="0">
@@ -11079,13 +11079,13 @@
                         <a:rPr lang="en-US" i="1" dirty="0" smtClean="0">
                           <a:latin typeface="Cambria Math" panose="02040503050406030204" pitchFamily="18" charset="0"/>
                         </a:rPr>
-                        <m:t>. &lt; </m:t>
+                        <m:t>. &lt;</m:t>
                       </m:r>
                       <m:r>
-                        <a:rPr lang="en-US" i="1" dirty="0" smtClean="0">
+                        <a:rPr lang="en-US" b="0" i="1" dirty="0" smtClean="0">
                           <a:latin typeface="Cambria Math" panose="02040503050406030204" pitchFamily="18" charset="0"/>
                         </a:rPr>
-                        <m:t>𝐿</m:t>
+                        <m:t>𝑅</m:t>
                       </m:r>
                       <m:r>
                         <a:rPr lang="en-US" i="1" dirty="0" smtClean="0">
@@ -11213,7 +11213,7 @@
             </p:txBody>
           </p:sp>
         </mc:Choice>
-        <mc:Fallback xmlns="">
+        <mc:Fallback>
           <p:sp>
             <p:nvSpPr>
               <p:cNvPr id="3" name="Content Placeholder 2">
